--- a/docs/중간_보고서.pptx
+++ b/docs/중간_보고서.pptx
@@ -13629,8 +13629,8 @@
         </p:nvSpPr>
         <p:spPr>
           <a:xfrm>
-            <a:off x="1662563" y="2935872"/>
-            <a:ext cx="2946400" cy="1754326"/>
+            <a:off x="1659900" y="3053859"/>
+            <a:ext cx="2946400" cy="1477328"/>
           </a:xfrm>
           <a:prstGeom prst="rect">
             <a:avLst/>
@@ -13662,13 +13662,6 @@
               <a:rPr lang="ko-KR" altLang="en-US" dirty="0"/>
               <a:t>속도 문제</a:t>
             </a:r>
-            <a:endParaRPr lang="en-US" altLang="ko-KR" dirty="0"/>
-          </a:p>
-          <a:p>
-            <a:pPr marL="342900" indent="-342900">
-              <a:buFont typeface="+mj-lt"/>
-              <a:buAutoNum type="arabicPeriod"/>
-            </a:pPr>
             <a:endParaRPr lang="en-US" altLang="ko-KR" dirty="0"/>
           </a:p>
           <a:p>
@@ -13830,8 +13823,8 @@
         </p:nvSpPr>
         <p:spPr>
           <a:xfrm>
-            <a:off x="7389362" y="2935872"/>
-            <a:ext cx="2946400" cy="1754326"/>
+            <a:off x="7389362" y="3053859"/>
+            <a:ext cx="2946400" cy="1477328"/>
           </a:xfrm>
           <a:prstGeom prst="rect">
             <a:avLst/>
@@ -13863,13 +13856,6 @@
               <a:rPr lang="ko-KR" altLang="en-US" dirty="0"/>
               <a:t>연산을 줄여 속도 향상</a:t>
             </a:r>
-            <a:endParaRPr lang="en-US" altLang="ko-KR" dirty="0"/>
-          </a:p>
-          <a:p>
-            <a:pPr marL="342900" indent="-342900">
-              <a:buFont typeface="+mj-lt"/>
-              <a:buAutoNum type="arabicPeriod"/>
-            </a:pPr>
             <a:endParaRPr lang="en-US" altLang="ko-KR" dirty="0"/>
           </a:p>
           <a:p>
@@ -16837,19 +16823,7 @@
               <a:rPr lang="ko-KR" altLang="en-US" dirty="0">
                 <a:latin typeface="+mn-ea"/>
               </a:rPr>
-              <a:t>안쪽의 검정색 픽셀의 </a:t>
-            </a:r>
-            <a:r>
-              <a:rPr lang="ko-KR" altLang="en-US" dirty="0" err="1">
-                <a:latin typeface="+mn-ea"/>
-              </a:rPr>
-              <a:t>갯수를</a:t>
-            </a:r>
-            <a:r>
-              <a:rPr lang="ko-KR" altLang="en-US" dirty="0">
-                <a:latin typeface="+mn-ea"/>
-              </a:rPr>
-              <a:t> 구할 수 있음</a:t>
+              <a:t>안쪽의 검정색 픽셀의 개수를 구할 수 있음</a:t>
             </a:r>
             <a:endParaRPr lang="en-US" altLang="ko-KR" dirty="0">
               <a:latin typeface="+mn-ea"/>
@@ -16908,31 +16882,7 @@
               <a:rPr lang="ko-KR" altLang="en-US" dirty="0">
                 <a:latin typeface="+mn-ea"/>
               </a:rPr>
-              <a:t>정상 센서와 </a:t>
-            </a:r>
-            <a:r>
-              <a:rPr lang="ko-KR" altLang="en-US" dirty="0" err="1">
-                <a:latin typeface="+mn-ea"/>
-              </a:rPr>
-              <a:t>안맞는</a:t>
-            </a:r>
-            <a:r>
-              <a:rPr lang="ko-KR" altLang="en-US" dirty="0">
-                <a:latin typeface="+mn-ea"/>
-              </a:rPr>
-              <a:t> 픽셀 </a:t>
-            </a:r>
-            <a:r>
-              <a:rPr lang="ko-KR" altLang="en-US" dirty="0" err="1">
-                <a:latin typeface="+mn-ea"/>
-              </a:rPr>
-              <a:t>갯수를</a:t>
-            </a:r>
-            <a:r>
-              <a:rPr lang="ko-KR" altLang="en-US" dirty="0">
-                <a:latin typeface="+mn-ea"/>
-              </a:rPr>
-              <a:t> 구할 수 있음</a:t>
+              <a:t>정상 센서와 안 맞는 픽셀 개수를 구할 수 있음</a:t>
             </a:r>
             <a:endParaRPr lang="en-US" altLang="ko-KR" dirty="0">
               <a:latin typeface="+mn-ea"/>
